--- a/resources/2pl+2pc.pptx
+++ b/resources/2pl+2pc.pptx
@@ -5,14 +5,15 @@
     <p:sldMasterId id="2147483648" r:id="rId1"/>
   </p:sldMasterIdLst>
   <p:notesMasterIdLst>
-    <p:notesMasterId r:id="rId4"/>
+    <p:notesMasterId r:id="rId5"/>
   </p:notesMasterIdLst>
   <p:handoutMasterIdLst>
-    <p:handoutMasterId r:id="rId5"/>
+    <p:handoutMasterId r:id="rId6"/>
   </p:handoutMasterIdLst>
   <p:sldIdLst>
     <p:sldId id="272" r:id="rId2"/>
     <p:sldId id="300" r:id="rId3"/>
+    <p:sldId id="301" r:id="rId4"/>
   </p:sldIdLst>
   <p:sldSz cx="12192000" cy="6858000"/>
   <p:notesSz cx="6858000" cy="9144000"/>
@@ -227,7 +228,7 @@
           <a:p>
             <a:fld id="{F68ABEA4-9216-4FDF-AAE1-D8632908A8EC}" type="datetimeFigureOut">
               <a:rPr lang="de-CH" smtClean="0"/>
-              <a:t>13.06.2022</a:t>
+              <a:t>23.08.2022</a:t>
             </a:fld>
             <a:endParaRPr lang="de-CH"/>
           </a:p>
@@ -404,7 +405,7 @@
           <a:p>
             <a:fld id="{4B78A90D-FE7E-41AF-B03D-808D82937CB9}" type="datetimeFigureOut">
               <a:rPr lang="de-CH" smtClean="0"/>
-              <a:t>13.06.2022</a:t>
+              <a:t>23.08.2022</a:t>
             </a:fld>
             <a:endParaRPr lang="de-CH"/>
           </a:p>
@@ -856,6 +857,98 @@
 </p:notes>
 </file>
 
+<file path=ppt/notesSlides/notesSlide3.xml><?xml version="1.0" encoding="utf-8"?>
+<p:notes xmlns:a="http://schemas.openxmlformats.org/drawingml/2006/main" xmlns:r="http://schemas.openxmlformats.org/officeDocument/2006/relationships" xmlns:p="http://schemas.openxmlformats.org/presentationml/2006/main">
+  <p:cSld>
+    <p:spTree>
+      <p:nvGrpSpPr>
+        <p:cNvPr id="1" name=""/>
+        <p:cNvGrpSpPr/>
+        <p:nvPr/>
+      </p:nvGrpSpPr>
+      <p:grpSpPr>
+        <a:xfrm>
+          <a:off x="0" y="0"/>
+          <a:ext cx="0" cy="0"/>
+          <a:chOff x="0" y="0"/>
+          <a:chExt cx="0" cy="0"/>
+        </a:xfrm>
+      </p:grpSpPr>
+      <p:sp>
+        <p:nvSpPr>
+          <p:cNvPr id="2" name="Slide Image Placeholder 1"/>
+          <p:cNvSpPr>
+            <a:spLocks noGrp="1" noRot="1" noChangeAspect="1"/>
+          </p:cNvSpPr>
+          <p:nvPr>
+            <p:ph type="sldImg"/>
+          </p:nvPr>
+        </p:nvSpPr>
+        <p:spPr/>
+      </p:sp>
+      <p:sp>
+        <p:nvSpPr>
+          <p:cNvPr id="3" name="Notes Placeholder 2"/>
+          <p:cNvSpPr>
+            <a:spLocks noGrp="1"/>
+          </p:cNvSpPr>
+          <p:nvPr>
+            <p:ph type="body" idx="1"/>
+          </p:nvPr>
+        </p:nvSpPr>
+        <p:spPr/>
+        <p:txBody>
+          <a:bodyPr/>
+          <a:lstStyle/>
+          <a:p>
+            <a:r>
+              <a:rPr lang="en-CH" dirty="0" smtClean="0"/>
+              <a:t>Non-local</a:t>
+            </a:r>
+            <a:r>
+              <a:rPr lang="en-CH" baseline="0" dirty="0" smtClean="0"/>
+              <a:t> guards that look into other components’ local state</a:t>
+            </a:r>
+            <a:endParaRPr lang="en-US" dirty="0"/>
+          </a:p>
+        </p:txBody>
+      </p:sp>
+      <p:sp>
+        <p:nvSpPr>
+          <p:cNvPr id="4" name="Slide Number Placeholder 3"/>
+          <p:cNvSpPr>
+            <a:spLocks noGrp="1"/>
+          </p:cNvSpPr>
+          <p:nvPr>
+            <p:ph type="sldNum" sz="quarter" idx="10"/>
+          </p:nvPr>
+        </p:nvSpPr>
+        <p:spPr/>
+        <p:txBody>
+          <a:bodyPr/>
+          <a:lstStyle/>
+          <a:p>
+            <a:fld id="{F615DDFD-030C-4D5A-B33E-3A7E7538D2BE}" type="slidenum">
+              <a:rPr lang="de-CH" smtClean="0"/>
+              <a:t>3</a:t>
+            </a:fld>
+            <a:endParaRPr lang="de-CH"/>
+          </a:p>
+        </p:txBody>
+      </p:sp>
+    </p:spTree>
+    <p:extLst>
+      <p:ext uri="{BB962C8B-B14F-4D97-AF65-F5344CB8AC3E}">
+        <p14:creationId xmlns:p14="http://schemas.microsoft.com/office/powerpoint/2010/main" val="2331263226"/>
+      </p:ext>
+    </p:extLst>
+  </p:cSld>
+  <p:clrMapOvr>
+    <a:masterClrMapping/>
+  </p:clrMapOvr>
+</p:notes>
+</file>
+
 <file path=ppt/slideLayouts/slideLayout1.xml><?xml version="1.0" encoding="utf-8"?>
 <p:sldLayout xmlns:a="http://schemas.openxmlformats.org/drawingml/2006/main" xmlns:r="http://schemas.openxmlformats.org/officeDocument/2006/relationships" xmlns:p="http://schemas.openxmlformats.org/presentationml/2006/main" preserve="1" userDrawn="1">
   <p:cSld name="Titelfolie 01">
@@ -981,7 +1074,7 @@
                 <a14:useLocalDpi xmlns:a14="http://schemas.microsoft.com/office/drawing/2010/main" val="0"/>
               </a:ext>
               <a:ext uri="{96DAC541-7B7A-43D3-8B79-37D633B846F1}">
-                <asvg:svgBlip xmlns="" xmlns:asvg="http://schemas.microsoft.com/office/drawing/2016/SVG/main" r:embed="rId3"/>
+                <asvg:svgBlip xmlns:asvg="http://schemas.microsoft.com/office/drawing/2016/SVG/main" xmlns="" r:embed="rId3"/>
               </a:ext>
             </a:extLst>
           </a:blip>
@@ -1434,7 +1527,7 @@
                 <a14:useLocalDpi xmlns:a14="http://schemas.microsoft.com/office/drawing/2010/main" val="0"/>
               </a:ext>
               <a:ext uri="{96DAC541-7B7A-43D3-8B79-37D633B846F1}">
-                <asvg:svgBlip xmlns="" xmlns:asvg="http://schemas.microsoft.com/office/drawing/2016/SVG/main" r:embed="rId3"/>
+                <asvg:svgBlip xmlns:asvg="http://schemas.microsoft.com/office/drawing/2016/SVG/main" xmlns="" r:embed="rId3"/>
               </a:ext>
             </a:extLst>
           </a:blip>
@@ -1629,7 +1722,7 @@
                 <a14:useLocalDpi xmlns:a14="http://schemas.microsoft.com/office/drawing/2010/main" val="0"/>
               </a:ext>
               <a:ext uri="{96DAC541-7B7A-43D3-8B79-37D633B846F1}">
-                <asvg:svgBlip xmlns="" xmlns:asvg="http://schemas.microsoft.com/office/drawing/2016/SVG/main" r:embed="rId3"/>
+                <asvg:svgBlip xmlns:asvg="http://schemas.microsoft.com/office/drawing/2016/SVG/main" xmlns="" r:embed="rId3"/>
               </a:ext>
             </a:extLst>
           </a:blip>
@@ -1916,7 +2009,7 @@
                 <a14:useLocalDpi xmlns:a14="http://schemas.microsoft.com/office/drawing/2010/main" val="0"/>
               </a:ext>
               <a:ext uri="{96DAC541-7B7A-43D3-8B79-37D633B846F1}">
-                <asvg:svgBlip xmlns="" xmlns:asvg="http://schemas.microsoft.com/office/drawing/2016/SVG/main" r:embed="rId3"/>
+                <asvg:svgBlip xmlns:asvg="http://schemas.microsoft.com/office/drawing/2016/SVG/main" xmlns="" r:embed="rId3"/>
               </a:ext>
             </a:extLst>
           </a:blip>
@@ -2214,7 +2307,7 @@
                 <a14:useLocalDpi xmlns:a14="http://schemas.microsoft.com/office/drawing/2010/main" val="0"/>
               </a:ext>
               <a:ext uri="{96DAC541-7B7A-43D3-8B79-37D633B846F1}">
-                <asvg:svgBlip xmlns="" xmlns:asvg="http://schemas.microsoft.com/office/drawing/2016/SVG/main" r:embed="rId3"/>
+                <asvg:svgBlip xmlns:asvg="http://schemas.microsoft.com/office/drawing/2016/SVG/main" xmlns="" r:embed="rId3"/>
               </a:ext>
             </a:extLst>
           </a:blip>
@@ -2614,7 +2707,7 @@
                 <a14:useLocalDpi xmlns:a14="http://schemas.microsoft.com/office/drawing/2010/main" val="0"/>
               </a:ext>
               <a:ext uri="{96DAC541-7B7A-43D3-8B79-37D633B846F1}">
-                <asvg:svgBlip xmlns="" xmlns:asvg="http://schemas.microsoft.com/office/drawing/2016/SVG/main" r:embed="rId3"/>
+                <asvg:svgBlip xmlns:asvg="http://schemas.microsoft.com/office/drawing/2016/SVG/main" xmlns="" r:embed="rId3"/>
               </a:ext>
             </a:extLst>
           </a:blip>
@@ -2982,7 +3075,7 @@
                 <a14:useLocalDpi xmlns:a14="http://schemas.microsoft.com/office/drawing/2010/main" val="0"/>
               </a:ext>
               <a:ext uri="{96DAC541-7B7A-43D3-8B79-37D633B846F1}">
-                <asvg:svgBlip xmlns="" xmlns:asvg="http://schemas.microsoft.com/office/drawing/2016/SVG/main" r:embed="rId3"/>
+                <asvg:svgBlip xmlns:asvg="http://schemas.microsoft.com/office/drawing/2016/SVG/main" xmlns="" r:embed="rId3"/>
               </a:ext>
             </a:extLst>
           </a:blip>
@@ -3233,7 +3326,7 @@
                 <a14:useLocalDpi xmlns:a14="http://schemas.microsoft.com/office/drawing/2010/main" val="0"/>
               </a:ext>
               <a:ext uri="{96DAC541-7B7A-43D3-8B79-37D633B846F1}">
-                <asvg:svgBlip xmlns="" xmlns:asvg="http://schemas.microsoft.com/office/drawing/2016/SVG/main" r:embed="rId3"/>
+                <asvg:svgBlip xmlns:asvg="http://schemas.microsoft.com/office/drawing/2016/SVG/main" xmlns="" r:embed="rId3"/>
               </a:ext>
             </a:extLst>
           </a:blip>
@@ -3410,7 +3503,7 @@
                 <a14:useLocalDpi xmlns:a14="http://schemas.microsoft.com/office/drawing/2010/main" val="0"/>
               </a:ext>
               <a:ext uri="{96DAC541-7B7A-43D3-8B79-37D633B846F1}">
-                <asvg:svgBlip xmlns="" xmlns:asvg="http://schemas.microsoft.com/office/drawing/2016/SVG/main" r:embed="rId3"/>
+                <asvg:svgBlip xmlns:asvg="http://schemas.microsoft.com/office/drawing/2016/SVG/main" xmlns="" r:embed="rId3"/>
               </a:ext>
             </a:extLst>
           </a:blip>
@@ -3836,7 +3929,7 @@
                 <a14:useLocalDpi xmlns:a14="http://schemas.microsoft.com/office/drawing/2010/main" val="0"/>
               </a:ext>
               <a:ext uri="{96DAC541-7B7A-43D3-8B79-37D633B846F1}">
-                <asvg:svgBlip xmlns="" xmlns:asvg="http://schemas.microsoft.com/office/drawing/2016/SVG/main" r:embed="rId3"/>
+                <asvg:svgBlip xmlns:asvg="http://schemas.microsoft.com/office/drawing/2016/SVG/main" xmlns="" r:embed="rId3"/>
               </a:ext>
             </a:extLst>
           </a:blip>
@@ -4210,7 +4303,7 @@
                 <a14:useLocalDpi xmlns:a14="http://schemas.microsoft.com/office/drawing/2010/main" val="0"/>
               </a:ext>
               <a:ext uri="{96DAC541-7B7A-43D3-8B79-37D633B846F1}">
-                <asvg:svgBlip xmlns="" xmlns:asvg="http://schemas.microsoft.com/office/drawing/2016/SVG/main" r:embed="rId3"/>
+                <asvg:svgBlip xmlns:asvg="http://schemas.microsoft.com/office/drawing/2016/SVG/main" xmlns="" r:embed="rId3"/>
               </a:ext>
             </a:extLst>
           </a:blip>
@@ -4620,7 +4713,7 @@
                 <a14:useLocalDpi xmlns:a14="http://schemas.microsoft.com/office/drawing/2010/main" val="0"/>
               </a:ext>
               <a:ext uri="{96DAC541-7B7A-43D3-8B79-37D633B846F1}">
-                <asvg:svgBlip xmlns="" xmlns:asvg="http://schemas.microsoft.com/office/drawing/2016/SVG/main" r:embed="rId3"/>
+                <asvg:svgBlip xmlns:asvg="http://schemas.microsoft.com/office/drawing/2016/SVG/main" xmlns="" r:embed="rId3"/>
               </a:ext>
             </a:extLst>
           </a:blip>
@@ -5143,7 +5236,7 @@
                 <a14:useLocalDpi xmlns:a14="http://schemas.microsoft.com/office/drawing/2010/main" val="0"/>
               </a:ext>
               <a:ext uri="{96DAC541-7B7A-43D3-8B79-37D633B846F1}">
-                <asvg:svgBlip xmlns="" xmlns:asvg="http://schemas.microsoft.com/office/drawing/2016/SVG/main" r:embed="rId3"/>
+                <asvg:svgBlip xmlns:asvg="http://schemas.microsoft.com/office/drawing/2016/SVG/main" xmlns="" r:embed="rId3"/>
               </a:ext>
             </a:extLst>
           </a:blip>
@@ -5386,7 +5479,7 @@
                 <a14:useLocalDpi xmlns:a14="http://schemas.microsoft.com/office/drawing/2010/main" val="0"/>
               </a:ext>
               <a:ext uri="{96DAC541-7B7A-43D3-8B79-37D633B846F1}">
-                <asvg:svgBlip xmlns="" xmlns:asvg="http://schemas.microsoft.com/office/drawing/2016/SVG/main" r:embed="rId3"/>
+                <asvg:svgBlip xmlns:asvg="http://schemas.microsoft.com/office/drawing/2016/SVG/main" xmlns="" r:embed="rId3"/>
               </a:ext>
             </a:extLst>
           </a:blip>
@@ -5634,7 +5727,7 @@
                 <a14:useLocalDpi xmlns:a14="http://schemas.microsoft.com/office/drawing/2010/main" val="0"/>
               </a:ext>
               <a:ext uri="{96DAC541-7B7A-43D3-8B79-37D633B846F1}">
-                <asvg:svgBlip xmlns="" xmlns:asvg="http://schemas.microsoft.com/office/drawing/2016/SVG/main" r:embed="rId3"/>
+                <asvg:svgBlip xmlns:asvg="http://schemas.microsoft.com/office/drawing/2016/SVG/main" xmlns="" r:embed="rId3"/>
               </a:ext>
             </a:extLst>
           </a:blip>
@@ -9552,7 +9645,15 @@
                   <a:srgbClr val="007A96"/>
                 </a:solidFill>
               </a:rPr>
-              <a:t>1st Refinement: Abstract Commit (AC) Protocol</a:t>
+              <a:t>1st Refinement: </a:t>
+            </a:r>
+            <a:r>
+              <a:rPr lang="en-CH" dirty="0" smtClean="0">
+                <a:solidFill>
+                  <a:srgbClr val="007A96"/>
+                </a:solidFill>
+              </a:rPr>
+              <a:t>2PC + 2PL (version 1)</a:t>
             </a:r>
             <a:endParaRPr lang="de-CH" dirty="0">
               <a:solidFill>
@@ -9649,6 +9750,35 @@
           </a:p>
         </p:txBody>
       </p:sp>
+      <p:pic>
+        <p:nvPicPr>
+          <p:cNvPr id="37" name="Content Placeholder 6"/>
+          <p:cNvPicPr>
+            <a:picLocks noChangeAspect="1"/>
+          </p:cNvPicPr>
+          <p:nvPr/>
+        </p:nvPicPr>
+        <p:blipFill rotWithShape="1">
+          <a:blip r:embed="rId3">
+            <a:extLst>
+              <a:ext uri="{28A0092B-C50C-407E-A947-70E740481C1C}">
+                <a14:useLocalDpi xmlns:a14="http://schemas.microsoft.com/office/drawing/2010/main" val="0"/>
+              </a:ext>
+            </a:extLst>
+          </a:blip>
+          <a:srcRect l="54144" t="22702" r="34729" b="63185"/>
+          <a:stretch/>
+        </p:blipFill>
+        <p:spPr>
+          <a:xfrm>
+            <a:off x="1161966" y="1903784"/>
+            <a:ext cx="1067916" cy="494164"/>
+          </a:xfrm>
+          <a:prstGeom prst="rect">
+            <a:avLst/>
+          </a:prstGeom>
+        </p:spPr>
+      </p:pic>
       <p:pic>
         <p:nvPicPr>
           <p:cNvPr id="13" name="Content Placeholder 6"/>
@@ -10714,8 +10844,16 @@
               <a:buNone/>
             </a:pPr>
             <a:r>
+              <a:rPr lang="en-CH" sz="1600" dirty="0"/>
+              <a:t>K</a:t>
+            </a:r>
+            <a:r>
               <a:rPr lang="en-CH" sz="1600" dirty="0" smtClean="0"/>
-              <a:t>RM state</a:t>
+              <a:t>M </a:t>
+            </a:r>
+            <a:r>
+              <a:rPr lang="en-CH" sz="1600" dirty="0" smtClean="0"/>
+              <a:t>state</a:t>
             </a:r>
           </a:p>
         </p:txBody>
@@ -10758,119 +10896,6 @@
           </a:p>
         </p:txBody>
       </p:sp>
-      <p:graphicFrame>
-        <p:nvGraphicFramePr>
-          <p:cNvPr id="59" name="Table 58"/>
-          <p:cNvGraphicFramePr>
-            <a:graphicFrameLocks noGrp="1"/>
-          </p:cNvGraphicFramePr>
-          <p:nvPr>
-            <p:extLst>
-              <p:ext uri="{D42A27DB-BD31-4B8C-83A1-F6EECF244321}">
-                <p14:modId xmlns:p14="http://schemas.microsoft.com/office/powerpoint/2010/main" val="3925442943"/>
-              </p:ext>
-            </p:extLst>
-          </p:nvPr>
-        </p:nvGraphicFramePr>
-        <p:xfrm>
-          <a:off x="2010498" y="5476819"/>
-          <a:ext cx="3820031" cy="949960"/>
-        </p:xfrm>
-        <a:graphic>
-          <a:graphicData uri="http://schemas.openxmlformats.org/drawingml/2006/table">
-            <a:tbl>
-              <a:tblPr firstRow="1" bandRow="1">
-                <a:tableStyleId>{5C22544A-7EE6-4342-B048-85BDC9FD1C3A}</a:tableStyleId>
-              </a:tblPr>
-              <a:tblGrid>
-                <a:gridCol w="3820031">
-                  <a:extLst>
-                    <a:ext uri="{9D8B030D-6E8A-4147-A177-3AD203B41FA5}">
-                      <a16:colId xmlns:a16="http://schemas.microsoft.com/office/drawing/2014/main" val="3852930906"/>
-                    </a:ext>
-                  </a:extLst>
-                </a:gridCol>
-              </a:tblGrid>
-              <a:tr h="370840">
-                <a:tc>
-                  <a:txBody>
-                    <a:bodyPr/>
-                    <a:lstStyle/>
-                    <a:p>
-                      <a:r>
-                        <a:rPr lang="en-US" sz="1600" b="0" dirty="0" smtClean="0">
-                          <a:solidFill>
-                            <a:schemeClr val="tx1"/>
-                          </a:solidFill>
-                        </a:rPr>
-                        <a:t>S</a:t>
-                      </a:r>
-                      <a:r>
-                        <a:rPr lang="en-CH" sz="1600" b="0" dirty="0" smtClean="0">
-                          <a:solidFill>
-                            <a:schemeClr val="tx1"/>
-                          </a:solidFill>
-                        </a:rPr>
-                        <a:t>tatus</a:t>
-                      </a:r>
-                      <a:endParaRPr lang="en-US" sz="1600" b="0" dirty="0">
-                        <a:solidFill>
-                          <a:schemeClr val="tx1"/>
-                        </a:solidFill>
-                      </a:endParaRPr>
-                    </a:p>
-                  </a:txBody>
-                  <a:tcPr>
-                    <a:solidFill>
-                      <a:schemeClr val="bg2"/>
-                    </a:solidFill>
-                  </a:tcPr>
-                </a:tc>
-                <a:extLst>
-                  <a:ext uri="{0D108BD9-81ED-4DB2-BD59-A6C34878D82A}">
-                    <a16:rowId xmlns:a16="http://schemas.microsoft.com/office/drawing/2014/main" val="3393138995"/>
-                  </a:ext>
-                </a:extLst>
-              </a:tr>
-              <a:tr h="370840">
-                <a:tc>
-                  <a:txBody>
-                    <a:bodyPr/>
-                    <a:lstStyle/>
-                    <a:p>
-                      <a:r>
-                        <a:rPr lang="en-US" sz="1600" b="0" dirty="0" smtClean="0"/>
-                        <a:t>S</a:t>
-                      </a:r>
-                      <a:r>
-                        <a:rPr lang="en-CH" sz="1600" b="0" dirty="0" smtClean="0"/>
-                        <a:t>equence Number</a:t>
-                      </a:r>
-                    </a:p>
-                    <a:p>
-                      <a:r>
-                        <a:rPr lang="en-CH" sz="1600" b="0" dirty="0" smtClean="0"/>
-                        <a:t>(last session number used by the client)</a:t>
-                      </a:r>
-                      <a:endParaRPr lang="en-US" sz="1600" b="0" dirty="0"/>
-                    </a:p>
-                  </a:txBody>
-                  <a:tcPr>
-                    <a:solidFill>
-                      <a:schemeClr val="bg2"/>
-                    </a:solidFill>
-                  </a:tcPr>
-                </a:tc>
-                <a:extLst>
-                  <a:ext uri="{0D108BD9-81ED-4DB2-BD59-A6C34878D82A}">
-                    <a16:rowId xmlns:a16="http://schemas.microsoft.com/office/drawing/2014/main" val="2287637563"/>
-                  </a:ext>
-                </a:extLst>
-              </a:tr>
-            </a:tbl>
-          </a:graphicData>
-        </a:graphic>
-      </p:graphicFrame>
       <p:sp>
         <p:nvSpPr>
           <p:cNvPr id="60" name="Left Brace 59"/>
@@ -11157,10 +11182,1136 @@
           </a:fontRef>
         </p:style>
       </p:cxnSp>
+      <p:graphicFrame>
+        <p:nvGraphicFramePr>
+          <p:cNvPr id="39" name="Table 38"/>
+          <p:cNvGraphicFramePr>
+            <a:graphicFrameLocks noGrp="1"/>
+          </p:cNvGraphicFramePr>
+          <p:nvPr>
+            <p:extLst>
+              <p:ext uri="{D42A27DB-BD31-4B8C-83A1-F6EECF244321}">
+                <p14:modId xmlns:p14="http://schemas.microsoft.com/office/powerpoint/2010/main" val="3429897336"/>
+              </p:ext>
+            </p:extLst>
+          </p:nvPr>
+        </p:nvGraphicFramePr>
+        <p:xfrm>
+          <a:off x="1918748" y="5410640"/>
+          <a:ext cx="3755607" cy="822960"/>
+        </p:xfrm>
+        <a:graphic>
+          <a:graphicData uri="http://schemas.openxmlformats.org/drawingml/2006/table">
+            <a:tbl>
+              <a:tblPr firstRow="1" bandRow="1">
+                <a:tableStyleId>{5C22544A-7EE6-4342-B048-85BDC9FD1C3A}</a:tableStyleId>
+              </a:tblPr>
+              <a:tblGrid>
+                <a:gridCol w="3755607">
+                  <a:extLst>
+                    <a:ext uri="{9D8B030D-6E8A-4147-A177-3AD203B41FA5}">
+                      <a16:colId xmlns:a16="http://schemas.microsoft.com/office/drawing/2014/main" val="3852930906"/>
+                    </a:ext>
+                  </a:extLst>
+                </a:gridCol>
+              </a:tblGrid>
+              <a:tr h="727579">
+                <a:tc>
+                  <a:txBody>
+                    <a:bodyPr/>
+                    <a:lstStyle/>
+                    <a:p>
+                      <a:pPr marL="0" indent="0">
+                        <a:spcBef>
+                          <a:spcPts val="0"/>
+                        </a:spcBef>
+                        <a:buNone/>
+                      </a:pPr>
+                      <a:r>
+                        <a:rPr lang="en-CH" sz="1600" b="0" dirty="0" smtClean="0">
+                          <a:solidFill>
+                            <a:schemeClr val="tx1"/>
+                          </a:solidFill>
+                        </a:rPr>
+                        <a:t>Status</a:t>
+                      </a:r>
+                    </a:p>
+                    <a:p>
+                      <a:pPr marL="0" indent="0">
+                        <a:spcBef>
+                          <a:spcPts val="0"/>
+                        </a:spcBef>
+                        <a:buNone/>
+                      </a:pPr>
+                      <a:r>
+                        <a:rPr lang="en-CH" sz="1600" b="0" dirty="0" smtClean="0">
+                          <a:solidFill>
+                            <a:schemeClr val="tx1"/>
+                          </a:solidFill>
+                        </a:rPr>
+                        <a:t>Sequence</a:t>
+                      </a:r>
+                      <a:r>
+                        <a:rPr lang="en-CH" sz="1600" b="0" baseline="0" dirty="0" smtClean="0">
+                          <a:solidFill>
+                            <a:schemeClr val="tx1"/>
+                          </a:solidFill>
+                        </a:rPr>
+                        <a:t> Number (last sqn of client)</a:t>
+                      </a:r>
+                    </a:p>
+                    <a:p>
+                      <a:pPr marL="0" indent="0">
+                        <a:spcBef>
+                          <a:spcPts val="0"/>
+                        </a:spcBef>
+                        <a:buNone/>
+                      </a:pPr>
+                      <a:r>
+                        <a:rPr lang="en-CH" sz="1600" b="0" dirty="0" smtClean="0">
+                          <a:solidFill>
+                            <a:schemeClr val="tx1"/>
+                          </a:solidFill>
+                        </a:rPr>
+                        <a:t>View</a:t>
+                      </a:r>
+                      <a:r>
+                        <a:rPr lang="en-CH" sz="1600" b="0" baseline="0" dirty="0" smtClean="0">
+                          <a:solidFill>
+                            <a:schemeClr val="tx1"/>
+                          </a:solidFill>
+                        </a:rPr>
+                        <a:t> (of client on the kv-store)</a:t>
+                      </a:r>
+                      <a:endParaRPr lang="de-CH" sz="1600" b="0" dirty="0">
+                        <a:solidFill>
+                          <a:schemeClr val="tx1"/>
+                        </a:solidFill>
+                      </a:endParaRPr>
+                    </a:p>
+                  </a:txBody>
+                  <a:tcPr>
+                    <a:solidFill>
+                      <a:schemeClr val="bg2"/>
+                    </a:solidFill>
+                  </a:tcPr>
+                </a:tc>
+                <a:extLst>
+                  <a:ext uri="{0D108BD9-81ED-4DB2-BD59-A6C34878D82A}">
+                    <a16:rowId xmlns:a16="http://schemas.microsoft.com/office/drawing/2014/main" val="3393138995"/>
+                  </a:ext>
+                </a:extLst>
+              </a:tr>
+            </a:tbl>
+          </a:graphicData>
+        </a:graphic>
+      </p:graphicFrame>
+      <p:pic>
+        <p:nvPicPr>
+          <p:cNvPr id="40" name="Picture 39"/>
+          <p:cNvPicPr>
+            <a:picLocks noChangeAspect="1"/>
+          </p:cNvPicPr>
+          <p:nvPr/>
+        </p:nvPicPr>
+        <p:blipFill rotWithShape="1">
+          <a:blip r:embed="rId4">
+            <a:extLst>
+              <a:ext uri="{28A0092B-C50C-407E-A947-70E740481C1C}">
+                <a14:useLocalDpi xmlns:a14="http://schemas.microsoft.com/office/drawing/2010/main" val="0"/>
+              </a:ext>
+            </a:extLst>
+          </a:blip>
+          <a:srcRect l="50487" b="92508"/>
+          <a:stretch/>
+        </p:blipFill>
+        <p:spPr>
+          <a:xfrm>
+            <a:off x="6277658" y="1130110"/>
+            <a:ext cx="4196034" cy="335316"/>
+          </a:xfrm>
+          <a:prstGeom prst="rect">
+            <a:avLst/>
+          </a:prstGeom>
+        </p:spPr>
+      </p:pic>
     </p:spTree>
     <p:extLst>
       <p:ext uri="{BB962C8B-B14F-4D97-AF65-F5344CB8AC3E}">
         <p14:creationId xmlns:p14="http://schemas.microsoft.com/office/powerpoint/2010/main" val="330744180"/>
+      </p:ext>
+    </p:extLst>
+  </p:cSld>
+  <p:clrMapOvr>
+    <a:masterClrMapping/>
+  </p:clrMapOvr>
+  <p:timing>
+    <p:tnLst>
+      <p:par>
+        <p:cTn id="1" dur="indefinite" restart="never" nodeType="tmRoot"/>
+      </p:par>
+    </p:tnLst>
+  </p:timing>
+</p:sld>
+</file>
+
+<file path=ppt/slides/slide3.xml><?xml version="1.0" encoding="utf-8"?>
+<p:sld xmlns:a="http://schemas.openxmlformats.org/drawingml/2006/main" xmlns:r="http://schemas.openxmlformats.org/officeDocument/2006/relationships" xmlns:p="http://schemas.openxmlformats.org/presentationml/2006/main">
+  <p:cSld>
+    <p:spTree>
+      <p:nvGrpSpPr>
+        <p:cNvPr id="1" name=""/>
+        <p:cNvGrpSpPr/>
+        <p:nvPr/>
+      </p:nvGrpSpPr>
+      <p:grpSpPr>
+        <a:xfrm>
+          <a:off x="0" y="0"/>
+          <a:ext cx="0" cy="0"/>
+          <a:chOff x="0" y="0"/>
+          <a:chExt cx="0" cy="0"/>
+        </a:xfrm>
+      </p:grpSpPr>
+      <p:sp>
+        <p:nvSpPr>
+          <p:cNvPr id="2" name="Titel 1">
+            <a:extLst>
+              <a:ext uri="{FF2B5EF4-FFF2-40B4-BE49-F238E27FC236}">
+                <a16:creationId xmlns:a16="http://schemas.microsoft.com/office/drawing/2014/main" id="{E37DD576-086D-4B8E-8EA7-96DBD842881D}"/>
+              </a:ext>
+            </a:extLst>
+          </p:cNvPr>
+          <p:cNvSpPr>
+            <a:spLocks noGrp="1"/>
+          </p:cNvSpPr>
+          <p:nvPr>
+            <p:ph type="title"/>
+          </p:nvPr>
+        </p:nvSpPr>
+        <p:spPr>
+          <a:xfrm>
+            <a:off x="731837" y="220916"/>
+            <a:ext cx="10728325" cy="900000"/>
+          </a:xfrm>
+        </p:spPr>
+        <p:txBody>
+          <a:bodyPr/>
+          <a:lstStyle/>
+          <a:p>
+            <a:r>
+              <a:rPr lang="en-CH" dirty="0">
+                <a:solidFill>
+                  <a:srgbClr val="007A96"/>
+                </a:solidFill>
+              </a:rPr>
+              <a:t/>
+            </a:r>
+            <a:br>
+              <a:rPr lang="en-CH" dirty="0">
+                <a:solidFill>
+                  <a:srgbClr val="007A96"/>
+                </a:solidFill>
+              </a:rPr>
+            </a:br>
+            <a:r>
+              <a:rPr lang="en-CH" dirty="0">
+                <a:solidFill>
+                  <a:srgbClr val="007A96"/>
+                </a:solidFill>
+              </a:rPr>
+              <a:t>1st Refinement: </a:t>
+            </a:r>
+            <a:r>
+              <a:rPr lang="en-CH" dirty="0" smtClean="0">
+                <a:solidFill>
+                  <a:srgbClr val="007A96"/>
+                </a:solidFill>
+              </a:rPr>
+              <a:t>2PL + 2PC (version 2)</a:t>
+            </a:r>
+            <a:endParaRPr lang="de-CH" dirty="0">
+              <a:solidFill>
+                <a:srgbClr val="007A96"/>
+              </a:solidFill>
+            </a:endParaRPr>
+          </a:p>
+        </p:txBody>
+      </p:sp>
+      <p:sp>
+        <p:nvSpPr>
+          <p:cNvPr id="5" name="Fußzeilenplatzhalter 4">
+            <a:extLst>
+              <a:ext uri="{FF2B5EF4-FFF2-40B4-BE49-F238E27FC236}">
+                <a16:creationId xmlns:a16="http://schemas.microsoft.com/office/drawing/2014/main" id="{361F9BBF-6392-4D0B-BC48-EA50450A25D5}"/>
+              </a:ext>
+            </a:extLst>
+          </p:cNvPr>
+          <p:cNvSpPr>
+            <a:spLocks noGrp="1"/>
+          </p:cNvSpPr>
+          <p:nvPr>
+            <p:ph type="ftr" sz="quarter" idx="11"/>
+          </p:nvPr>
+        </p:nvSpPr>
+        <p:spPr/>
+        <p:txBody>
+          <a:bodyPr/>
+          <a:lstStyle/>
+          <a:p>
+            <a:r>
+              <a:rPr lang="en-US" noProof="0" dirty="0" smtClean="0"/>
+              <a:t>Shabnam Ghasemirad                                                 Towards Modular Reasoning about Distributed Systems in Igloo</a:t>
+            </a:r>
+            <a:endParaRPr lang="de-CH" noProof="0" dirty="0"/>
+          </a:p>
+        </p:txBody>
+      </p:sp>
+      <p:sp>
+        <p:nvSpPr>
+          <p:cNvPr id="4" name="Datumsplatzhalter 3">
+            <a:extLst>
+              <a:ext uri="{FF2B5EF4-FFF2-40B4-BE49-F238E27FC236}">
+                <a16:creationId xmlns:a16="http://schemas.microsoft.com/office/drawing/2014/main" id="{4C113A63-4145-4707-821A-FA76EE3B17E3}"/>
+              </a:ext>
+            </a:extLst>
+          </p:cNvPr>
+          <p:cNvSpPr>
+            <a:spLocks noGrp="1"/>
+          </p:cNvSpPr>
+          <p:nvPr>
+            <p:ph type="dt" sz="half" idx="10"/>
+          </p:nvPr>
+        </p:nvSpPr>
+        <p:spPr/>
+        <p:txBody>
+          <a:bodyPr/>
+          <a:lstStyle/>
+          <a:p>
+            <a:r>
+              <a:rPr lang="en-US" noProof="0" smtClean="0"/>
+              <a:t>27.09.2021</a:t>
+            </a:r>
+            <a:endParaRPr lang="de-CH" noProof="0"/>
+          </a:p>
+        </p:txBody>
+      </p:sp>
+      <p:sp>
+        <p:nvSpPr>
+          <p:cNvPr id="6" name="Foliennummernplatzhalter 5">
+            <a:extLst>
+              <a:ext uri="{FF2B5EF4-FFF2-40B4-BE49-F238E27FC236}">
+                <a16:creationId xmlns:a16="http://schemas.microsoft.com/office/drawing/2014/main" id="{C6B5D301-0255-4560-B6D4-207099C6C812}"/>
+              </a:ext>
+            </a:extLst>
+          </p:cNvPr>
+          <p:cNvSpPr>
+            <a:spLocks noGrp="1"/>
+          </p:cNvSpPr>
+          <p:nvPr>
+            <p:ph type="sldNum" sz="quarter" idx="12"/>
+          </p:nvPr>
+        </p:nvSpPr>
+        <p:spPr/>
+        <p:txBody>
+          <a:bodyPr/>
+          <a:lstStyle/>
+          <a:p>
+            <a:fld id="{5ACA52AF-F19D-405C-AD5F-7D94B96A5CC3}" type="slidenum">
+              <a:rPr lang="de-CH" noProof="0" smtClean="0"/>
+              <a:t>3</a:t>
+            </a:fld>
+            <a:endParaRPr lang="de-CH" noProof="0"/>
+          </a:p>
+        </p:txBody>
+      </p:sp>
+      <p:sp>
+        <p:nvSpPr>
+          <p:cNvPr id="7" name="Rounded Rectangle 6"/>
+          <p:cNvSpPr/>
+          <p:nvPr/>
+        </p:nvSpPr>
+        <p:spPr>
+          <a:xfrm>
+            <a:off x="3399875" y="2397948"/>
+            <a:ext cx="884903" cy="1337187"/>
+          </a:xfrm>
+          <a:prstGeom prst="roundRect">
+            <a:avLst/>
+          </a:prstGeom>
+          <a:solidFill>
+            <a:schemeClr val="bg1"/>
+          </a:solidFill>
+          <a:ln>
+            <a:solidFill>
+              <a:schemeClr val="bg1"/>
+            </a:solidFill>
+          </a:ln>
+        </p:spPr>
+        <p:style>
+          <a:lnRef idx="2">
+            <a:schemeClr val="accent1">
+              <a:shade val="50000"/>
+            </a:schemeClr>
+          </a:lnRef>
+          <a:fillRef idx="1">
+            <a:schemeClr val="accent1"/>
+          </a:fillRef>
+          <a:effectRef idx="0">
+            <a:schemeClr val="accent1"/>
+          </a:effectRef>
+          <a:fontRef idx="minor">
+            <a:schemeClr val="lt1"/>
+          </a:fontRef>
+        </p:style>
+        <p:txBody>
+          <a:bodyPr rtlCol="0" anchor="ctr"/>
+          <a:lstStyle/>
+          <a:p>
+            <a:pPr algn="ctr"/>
+            <a:endParaRPr lang="en-US"/>
+          </a:p>
+        </p:txBody>
+      </p:sp>
+      <p:sp>
+        <p:nvSpPr>
+          <p:cNvPr id="8" name="Rounded Rectangle 7"/>
+          <p:cNvSpPr/>
+          <p:nvPr/>
+        </p:nvSpPr>
+        <p:spPr>
+          <a:xfrm>
+            <a:off x="2925279" y="2045110"/>
+            <a:ext cx="1056786" cy="612973"/>
+          </a:xfrm>
+          <a:prstGeom prst="roundRect">
+            <a:avLst/>
+          </a:prstGeom>
+          <a:solidFill>
+            <a:schemeClr val="bg1"/>
+          </a:solidFill>
+          <a:ln>
+            <a:solidFill>
+              <a:schemeClr val="bg1"/>
+            </a:solidFill>
+          </a:ln>
+        </p:spPr>
+        <p:style>
+          <a:lnRef idx="2">
+            <a:schemeClr val="accent1">
+              <a:shade val="50000"/>
+            </a:schemeClr>
+          </a:lnRef>
+          <a:fillRef idx="1">
+            <a:schemeClr val="accent1"/>
+          </a:fillRef>
+          <a:effectRef idx="0">
+            <a:schemeClr val="accent1"/>
+          </a:effectRef>
+          <a:fontRef idx="minor">
+            <a:schemeClr val="lt1"/>
+          </a:fontRef>
+        </p:style>
+        <p:txBody>
+          <a:bodyPr rtlCol="0" anchor="ctr"/>
+          <a:lstStyle/>
+          <a:p>
+            <a:pPr algn="ctr"/>
+            <a:endParaRPr lang="en-US"/>
+          </a:p>
+        </p:txBody>
+      </p:sp>
+      <p:sp>
+        <p:nvSpPr>
+          <p:cNvPr id="11" name="Rounded Rectangle 10"/>
+          <p:cNvSpPr/>
+          <p:nvPr/>
+        </p:nvSpPr>
+        <p:spPr>
+          <a:xfrm>
+            <a:off x="3738880" y="3698240"/>
+            <a:ext cx="320040" cy="787400"/>
+          </a:xfrm>
+          <a:prstGeom prst="roundRect">
+            <a:avLst/>
+          </a:prstGeom>
+          <a:solidFill>
+            <a:schemeClr val="bg1"/>
+          </a:solidFill>
+          <a:ln>
+            <a:solidFill>
+              <a:schemeClr val="bg1"/>
+            </a:solidFill>
+          </a:ln>
+        </p:spPr>
+        <p:style>
+          <a:lnRef idx="2">
+            <a:schemeClr val="accent1">
+              <a:shade val="50000"/>
+            </a:schemeClr>
+          </a:lnRef>
+          <a:fillRef idx="1">
+            <a:schemeClr val="accent1"/>
+          </a:fillRef>
+          <a:effectRef idx="0">
+            <a:schemeClr val="accent1"/>
+          </a:effectRef>
+          <a:fontRef idx="minor">
+            <a:schemeClr val="lt1"/>
+          </a:fontRef>
+        </p:style>
+        <p:txBody>
+          <a:bodyPr rtlCol="0" anchor="ctr"/>
+          <a:lstStyle/>
+          <a:p>
+            <a:pPr algn="ctr"/>
+            <a:endParaRPr lang="en-US"/>
+          </a:p>
+        </p:txBody>
+      </p:sp>
+      <p:sp>
+        <p:nvSpPr>
+          <p:cNvPr id="12" name="Rounded Rectangle 11"/>
+          <p:cNvSpPr/>
+          <p:nvPr/>
+        </p:nvSpPr>
+        <p:spPr>
+          <a:xfrm>
+            <a:off x="4124960" y="2772999"/>
+            <a:ext cx="320040" cy="1139028"/>
+          </a:xfrm>
+          <a:prstGeom prst="roundRect">
+            <a:avLst/>
+          </a:prstGeom>
+          <a:solidFill>
+            <a:schemeClr val="bg1"/>
+          </a:solidFill>
+          <a:ln>
+            <a:solidFill>
+              <a:schemeClr val="bg1"/>
+            </a:solidFill>
+          </a:ln>
+        </p:spPr>
+        <p:style>
+          <a:lnRef idx="2">
+            <a:schemeClr val="accent1">
+              <a:shade val="50000"/>
+            </a:schemeClr>
+          </a:lnRef>
+          <a:fillRef idx="1">
+            <a:schemeClr val="accent1"/>
+          </a:fillRef>
+          <a:effectRef idx="0">
+            <a:schemeClr val="accent1"/>
+          </a:effectRef>
+          <a:fontRef idx="minor">
+            <a:schemeClr val="lt1"/>
+          </a:fontRef>
+        </p:style>
+        <p:txBody>
+          <a:bodyPr rtlCol="0" anchor="ctr"/>
+          <a:lstStyle/>
+          <a:p>
+            <a:pPr algn="ctr"/>
+            <a:endParaRPr lang="en-US"/>
+          </a:p>
+        </p:txBody>
+      </p:sp>
+      <p:sp>
+        <p:nvSpPr>
+          <p:cNvPr id="21" name="Rounded Rectangle 20"/>
+          <p:cNvSpPr/>
+          <p:nvPr/>
+        </p:nvSpPr>
+        <p:spPr>
+          <a:xfrm>
+            <a:off x="2829560" y="2113280"/>
+            <a:ext cx="213360" cy="55880"/>
+          </a:xfrm>
+          <a:prstGeom prst="roundRect">
+            <a:avLst/>
+          </a:prstGeom>
+          <a:solidFill>
+            <a:schemeClr val="bg1"/>
+          </a:solidFill>
+          <a:ln>
+            <a:solidFill>
+              <a:schemeClr val="bg1"/>
+            </a:solidFill>
+          </a:ln>
+        </p:spPr>
+        <p:style>
+          <a:lnRef idx="2">
+            <a:schemeClr val="accent1">
+              <a:shade val="50000"/>
+            </a:schemeClr>
+          </a:lnRef>
+          <a:fillRef idx="1">
+            <a:schemeClr val="accent1"/>
+          </a:fillRef>
+          <a:effectRef idx="0">
+            <a:schemeClr val="accent1"/>
+          </a:effectRef>
+          <a:fontRef idx="minor">
+            <a:schemeClr val="lt1"/>
+          </a:fontRef>
+        </p:style>
+        <p:txBody>
+          <a:bodyPr rtlCol="0" anchor="ctr"/>
+          <a:lstStyle/>
+          <a:p>
+            <a:pPr algn="ctr"/>
+            <a:endParaRPr lang="en-US"/>
+          </a:p>
+        </p:txBody>
+      </p:sp>
+      <p:sp>
+        <p:nvSpPr>
+          <p:cNvPr id="22" name="Rounded Rectangle 21"/>
+          <p:cNvSpPr/>
+          <p:nvPr/>
+        </p:nvSpPr>
+        <p:spPr>
+          <a:xfrm>
+            <a:off x="3611880" y="4389120"/>
+            <a:ext cx="447040" cy="137160"/>
+          </a:xfrm>
+          <a:prstGeom prst="roundRect">
+            <a:avLst/>
+          </a:prstGeom>
+          <a:solidFill>
+            <a:schemeClr val="bg1"/>
+          </a:solidFill>
+          <a:ln>
+            <a:solidFill>
+              <a:schemeClr val="bg1"/>
+            </a:solidFill>
+          </a:ln>
+        </p:spPr>
+        <p:style>
+          <a:lnRef idx="2">
+            <a:schemeClr val="accent1">
+              <a:shade val="50000"/>
+            </a:schemeClr>
+          </a:lnRef>
+          <a:fillRef idx="1">
+            <a:schemeClr val="accent1"/>
+          </a:fillRef>
+          <a:effectRef idx="0">
+            <a:schemeClr val="accent1"/>
+          </a:effectRef>
+          <a:fontRef idx="minor">
+            <a:schemeClr val="lt1"/>
+          </a:fontRef>
+        </p:style>
+        <p:txBody>
+          <a:bodyPr rtlCol="0" anchor="ctr"/>
+          <a:lstStyle/>
+          <a:p>
+            <a:pPr algn="ctr"/>
+            <a:endParaRPr lang="en-US"/>
+          </a:p>
+        </p:txBody>
+      </p:sp>
+      <p:sp>
+        <p:nvSpPr>
+          <p:cNvPr id="56" name="Inhaltsplatzhalter 2">
+            <a:extLst>
+              <a:ext uri="{FF2B5EF4-FFF2-40B4-BE49-F238E27FC236}">
+                <a16:creationId xmlns:a16="http://schemas.microsoft.com/office/drawing/2014/main" id="{D432D83E-24ED-4BAB-928B-65865CDB074E}"/>
+              </a:ext>
+            </a:extLst>
+          </p:cNvPr>
+          <p:cNvSpPr>
+            <a:spLocks noGrp="1"/>
+          </p:cNvSpPr>
+          <p:nvPr>
+            <p:ph idx="1"/>
+          </p:nvPr>
+        </p:nvSpPr>
+        <p:spPr>
+          <a:xfrm>
+            <a:off x="731836" y="5121799"/>
+            <a:ext cx="5255999" cy="1400643"/>
+          </a:xfrm>
+        </p:spPr>
+        <p:txBody>
+          <a:bodyPr/>
+          <a:lstStyle/>
+          <a:p>
+            <a:pPr marL="0" indent="0">
+              <a:lnSpc>
+                <a:spcPct val="150000"/>
+              </a:lnSpc>
+              <a:buNone/>
+            </a:pPr>
+            <a:r>
+              <a:rPr lang="en-CH" sz="1600" b="1" dirty="0" smtClean="0"/>
+              <a:t>Transaction Manager</a:t>
+            </a:r>
+          </a:p>
+          <a:p>
+            <a:pPr marL="0" indent="0">
+              <a:lnSpc>
+                <a:spcPct val="150000"/>
+              </a:lnSpc>
+              <a:buNone/>
+            </a:pPr>
+            <a:r>
+              <a:rPr lang="en-CH" sz="1600" dirty="0" smtClean="0"/>
+              <a:t>TM state          </a:t>
+            </a:r>
+            <a:endParaRPr lang="en-CH" sz="1600" b="1" dirty="0" smtClean="0"/>
+          </a:p>
+        </p:txBody>
+      </p:sp>
+      <p:sp>
+        <p:nvSpPr>
+          <p:cNvPr id="57" name="Inhaltsplatzhalter 14">
+            <a:extLst>
+              <a:ext uri="{FF2B5EF4-FFF2-40B4-BE49-F238E27FC236}">
+                <a16:creationId xmlns:a16="http://schemas.microsoft.com/office/drawing/2014/main" id="{FCF71FFE-CA66-4F13-988C-CC5FD6C24A3A}"/>
+              </a:ext>
+            </a:extLst>
+          </p:cNvPr>
+          <p:cNvSpPr>
+            <a:spLocks noGrp="1"/>
+          </p:cNvSpPr>
+          <p:nvPr>
+            <p:ph idx="15"/>
+          </p:nvPr>
+        </p:nvSpPr>
+        <p:spPr>
+          <a:xfrm>
+            <a:off x="6204162" y="5121800"/>
+            <a:ext cx="5256001" cy="1152000"/>
+          </a:xfrm>
+        </p:spPr>
+        <p:txBody>
+          <a:bodyPr/>
+          <a:lstStyle/>
+          <a:p>
+            <a:pPr marL="0" indent="0">
+              <a:buNone/>
+            </a:pPr>
+            <a:r>
+              <a:rPr lang="en-CH" sz="1600" b="1" dirty="0" smtClean="0"/>
+              <a:t>Key Manager </a:t>
+            </a:r>
+          </a:p>
+          <a:p>
+            <a:pPr marL="0" indent="0">
+              <a:buNone/>
+            </a:pPr>
+            <a:endParaRPr lang="en-CH" sz="1600" b="1" dirty="0"/>
+          </a:p>
+          <a:p>
+            <a:pPr marL="0" indent="0">
+              <a:buNone/>
+            </a:pPr>
+            <a:r>
+              <a:rPr lang="en-CH" sz="1600" dirty="0"/>
+              <a:t>K</a:t>
+            </a:r>
+            <a:r>
+              <a:rPr lang="en-CH" sz="1600" dirty="0" smtClean="0"/>
+              <a:t>M </a:t>
+            </a:r>
+            <a:r>
+              <a:rPr lang="en-CH" sz="1600" dirty="0" smtClean="0"/>
+              <a:t>state</a:t>
+            </a:r>
+          </a:p>
+        </p:txBody>
+      </p:sp>
+      <p:sp>
+        <p:nvSpPr>
+          <p:cNvPr id="58" name="Left Brace 57"/>
+          <p:cNvSpPr/>
+          <p:nvPr/>
+        </p:nvSpPr>
+        <p:spPr>
+          <a:xfrm>
+            <a:off x="1699490" y="5549647"/>
+            <a:ext cx="202737" cy="544946"/>
+          </a:xfrm>
+          <a:prstGeom prst="leftBrace">
+            <a:avLst/>
+          </a:prstGeom>
+        </p:spPr>
+        <p:style>
+          <a:lnRef idx="1">
+            <a:schemeClr val="dk1"/>
+          </a:lnRef>
+          <a:fillRef idx="0">
+            <a:schemeClr val="dk1"/>
+          </a:fillRef>
+          <a:effectRef idx="0">
+            <a:schemeClr val="dk1"/>
+          </a:effectRef>
+          <a:fontRef idx="minor">
+            <a:schemeClr val="tx1"/>
+          </a:fontRef>
+        </p:style>
+        <p:txBody>
+          <a:bodyPr rtlCol="0" anchor="ctr"/>
+          <a:lstStyle/>
+          <a:p>
+            <a:pPr algn="ctr"/>
+            <a:endParaRPr lang="en-US" dirty="0"/>
+          </a:p>
+        </p:txBody>
+      </p:sp>
+      <p:sp>
+        <p:nvSpPr>
+          <p:cNvPr id="60" name="Left Brace 59"/>
+          <p:cNvSpPr/>
+          <p:nvPr/>
+        </p:nvSpPr>
+        <p:spPr>
+          <a:xfrm>
+            <a:off x="7263775" y="5549647"/>
+            <a:ext cx="251546" cy="857881"/>
+          </a:xfrm>
+          <a:prstGeom prst="leftBrace">
+            <a:avLst/>
+          </a:prstGeom>
+        </p:spPr>
+        <p:style>
+          <a:lnRef idx="1">
+            <a:schemeClr val="dk1"/>
+          </a:lnRef>
+          <a:fillRef idx="0">
+            <a:schemeClr val="dk1"/>
+          </a:fillRef>
+          <a:effectRef idx="0">
+            <a:schemeClr val="dk1"/>
+          </a:effectRef>
+          <a:fontRef idx="minor">
+            <a:schemeClr val="tx1"/>
+          </a:fontRef>
+        </p:style>
+        <p:txBody>
+          <a:bodyPr rtlCol="0" anchor="ctr"/>
+          <a:lstStyle/>
+          <a:p>
+            <a:pPr algn="ctr"/>
+            <a:endParaRPr lang="en-US" dirty="0"/>
+          </a:p>
+        </p:txBody>
+      </p:sp>
+      <p:graphicFrame>
+        <p:nvGraphicFramePr>
+          <p:cNvPr id="61" name="Table 60"/>
+          <p:cNvGraphicFramePr>
+            <a:graphicFrameLocks noGrp="1"/>
+          </p:cNvGraphicFramePr>
+          <p:nvPr>
+            <p:extLst/>
+          </p:nvPr>
+        </p:nvGraphicFramePr>
+        <p:xfrm>
+          <a:off x="7540275" y="5532037"/>
+          <a:ext cx="3755607" cy="822960"/>
+        </p:xfrm>
+        <a:graphic>
+          <a:graphicData uri="http://schemas.openxmlformats.org/drawingml/2006/table">
+            <a:tbl>
+              <a:tblPr firstRow="1" bandRow="1">
+                <a:tableStyleId>{5C22544A-7EE6-4342-B048-85BDC9FD1C3A}</a:tableStyleId>
+              </a:tblPr>
+              <a:tblGrid>
+                <a:gridCol w="3755607">
+                  <a:extLst>
+                    <a:ext uri="{9D8B030D-6E8A-4147-A177-3AD203B41FA5}">
+                      <a16:colId xmlns:a16="http://schemas.microsoft.com/office/drawing/2014/main" val="3852930906"/>
+                    </a:ext>
+                  </a:extLst>
+                </a:gridCol>
+              </a:tblGrid>
+              <a:tr h="727579">
+                <a:tc>
+                  <a:txBody>
+                    <a:bodyPr/>
+                    <a:lstStyle/>
+                    <a:p>
+                      <a:pPr marL="0" indent="0">
+                        <a:spcBef>
+                          <a:spcPts val="0"/>
+                        </a:spcBef>
+                        <a:buNone/>
+                      </a:pPr>
+                      <a:r>
+                        <a:rPr lang="en-CH" sz="1600" b="0" dirty="0" smtClean="0">
+                          <a:solidFill>
+                            <a:schemeClr val="tx1"/>
+                          </a:solidFill>
+                        </a:rPr>
+                        <a:t>Status</a:t>
+                      </a:r>
+                    </a:p>
+                    <a:p>
+                      <a:pPr marL="0" indent="0">
+                        <a:spcBef>
+                          <a:spcPts val="0"/>
+                        </a:spcBef>
+                        <a:buNone/>
+                      </a:pPr>
+                      <a:r>
+                        <a:rPr lang="en-CH" sz="1600" b="0" dirty="0" smtClean="0">
+                          <a:solidFill>
+                            <a:schemeClr val="tx1"/>
+                          </a:solidFill>
+                        </a:rPr>
+                        <a:t>Local</a:t>
+                      </a:r>
+                      <a:r>
+                        <a:rPr lang="en-CH" sz="1600" b="0" baseline="0" dirty="0" smtClean="0">
+                          <a:solidFill>
+                            <a:schemeClr val="tx1"/>
+                          </a:solidFill>
+                        </a:rPr>
+                        <a:t> Key Version List</a:t>
+                      </a:r>
+                      <a:endParaRPr lang="en-CH" sz="1600" b="0" dirty="0" smtClean="0">
+                        <a:solidFill>
+                          <a:schemeClr val="tx1"/>
+                        </a:solidFill>
+                      </a:endParaRPr>
+                    </a:p>
+                    <a:p>
+                      <a:pPr marL="0" indent="0">
+                        <a:spcBef>
+                          <a:spcPts val="0"/>
+                        </a:spcBef>
+                        <a:buNone/>
+                      </a:pPr>
+                      <a:r>
+                        <a:rPr lang="en-CH" sz="1600" b="0" dirty="0" smtClean="0">
+                          <a:solidFill>
+                            <a:schemeClr val="tx1"/>
+                          </a:solidFill>
+                        </a:rPr>
+                        <a:t>Local</a:t>
+                      </a:r>
+                      <a:r>
+                        <a:rPr lang="en-CH" sz="1600" b="0" baseline="0" dirty="0" smtClean="0">
+                          <a:solidFill>
+                            <a:schemeClr val="tx1"/>
+                          </a:solidFill>
+                        </a:rPr>
+                        <a:t> Key Fingerprint</a:t>
+                      </a:r>
+                      <a:endParaRPr lang="de-CH" sz="1600" b="0" dirty="0">
+                        <a:solidFill>
+                          <a:schemeClr val="tx1"/>
+                        </a:solidFill>
+                      </a:endParaRPr>
+                    </a:p>
+                  </a:txBody>
+                  <a:tcPr>
+                    <a:solidFill>
+                      <a:schemeClr val="bg2"/>
+                    </a:solidFill>
+                  </a:tcPr>
+                </a:tc>
+                <a:extLst>
+                  <a:ext uri="{0D108BD9-81ED-4DB2-BD59-A6C34878D82A}">
+                    <a16:rowId xmlns:a16="http://schemas.microsoft.com/office/drawing/2014/main" val="3393138995"/>
+                  </a:ext>
+                </a:extLst>
+              </a:tr>
+            </a:tbl>
+          </a:graphicData>
+        </a:graphic>
+      </p:graphicFrame>
+      <p:graphicFrame>
+        <p:nvGraphicFramePr>
+          <p:cNvPr id="38" name="Table 37"/>
+          <p:cNvGraphicFramePr>
+            <a:graphicFrameLocks noGrp="1"/>
+          </p:cNvGraphicFramePr>
+          <p:nvPr>
+            <p:extLst>
+              <p:ext uri="{D42A27DB-BD31-4B8C-83A1-F6EECF244321}">
+                <p14:modId xmlns:p14="http://schemas.microsoft.com/office/powerpoint/2010/main" val="247746069"/>
+              </p:ext>
+            </p:extLst>
+          </p:nvPr>
+        </p:nvGraphicFramePr>
+        <p:xfrm>
+          <a:off x="1918748" y="5410640"/>
+          <a:ext cx="3755607" cy="822960"/>
+        </p:xfrm>
+        <a:graphic>
+          <a:graphicData uri="http://schemas.openxmlformats.org/drawingml/2006/table">
+            <a:tbl>
+              <a:tblPr firstRow="1" bandRow="1">
+                <a:tableStyleId>{5C22544A-7EE6-4342-B048-85BDC9FD1C3A}</a:tableStyleId>
+              </a:tblPr>
+              <a:tblGrid>
+                <a:gridCol w="3755607">
+                  <a:extLst>
+                    <a:ext uri="{9D8B030D-6E8A-4147-A177-3AD203B41FA5}">
+                      <a16:colId xmlns:a16="http://schemas.microsoft.com/office/drawing/2014/main" val="3852930906"/>
+                    </a:ext>
+                  </a:extLst>
+                </a:gridCol>
+              </a:tblGrid>
+              <a:tr h="727579">
+                <a:tc>
+                  <a:txBody>
+                    <a:bodyPr/>
+                    <a:lstStyle/>
+                    <a:p>
+                      <a:pPr marL="0" indent="0">
+                        <a:spcBef>
+                          <a:spcPts val="0"/>
+                        </a:spcBef>
+                        <a:buNone/>
+                      </a:pPr>
+                      <a:r>
+                        <a:rPr lang="en-CH" sz="1600" b="0" dirty="0" smtClean="0">
+                          <a:solidFill>
+                            <a:schemeClr val="tx1"/>
+                          </a:solidFill>
+                        </a:rPr>
+                        <a:t>Status</a:t>
+                      </a:r>
+                    </a:p>
+                    <a:p>
+                      <a:pPr marL="0" indent="0">
+                        <a:spcBef>
+                          <a:spcPts val="0"/>
+                        </a:spcBef>
+                        <a:buNone/>
+                      </a:pPr>
+                      <a:r>
+                        <a:rPr lang="en-CH" sz="1600" b="0" dirty="0" smtClean="0">
+                          <a:solidFill>
+                            <a:schemeClr val="tx1"/>
+                          </a:solidFill>
+                        </a:rPr>
+                        <a:t>Sequence</a:t>
+                      </a:r>
+                      <a:r>
+                        <a:rPr lang="en-CH" sz="1600" b="0" baseline="0" dirty="0" smtClean="0">
+                          <a:solidFill>
+                            <a:schemeClr val="tx1"/>
+                          </a:solidFill>
+                        </a:rPr>
+                        <a:t> Number (last sqn of client)</a:t>
+                      </a:r>
+                    </a:p>
+                    <a:p>
+                      <a:pPr marL="0" indent="0">
+                        <a:spcBef>
+                          <a:spcPts val="0"/>
+                        </a:spcBef>
+                        <a:buNone/>
+                      </a:pPr>
+                      <a:r>
+                        <a:rPr lang="en-CH" sz="1600" b="0" dirty="0" smtClean="0">
+                          <a:solidFill>
+                            <a:schemeClr val="tx1"/>
+                          </a:solidFill>
+                        </a:rPr>
+                        <a:t>View</a:t>
+                      </a:r>
+                      <a:r>
+                        <a:rPr lang="en-CH" sz="1600" b="0" baseline="0" dirty="0" smtClean="0">
+                          <a:solidFill>
+                            <a:schemeClr val="tx1"/>
+                          </a:solidFill>
+                        </a:rPr>
+                        <a:t> (of client on the kv-store)</a:t>
+                      </a:r>
+                      <a:endParaRPr lang="de-CH" sz="1600" b="0" dirty="0">
+                        <a:solidFill>
+                          <a:schemeClr val="tx1"/>
+                        </a:solidFill>
+                      </a:endParaRPr>
+                    </a:p>
+                  </a:txBody>
+                  <a:tcPr>
+                    <a:solidFill>
+                      <a:schemeClr val="bg2"/>
+                    </a:solidFill>
+                  </a:tcPr>
+                </a:tc>
+                <a:extLst>
+                  <a:ext uri="{0D108BD9-81ED-4DB2-BD59-A6C34878D82A}">
+                    <a16:rowId xmlns:a16="http://schemas.microsoft.com/office/drawing/2014/main" val="3393138995"/>
+                  </a:ext>
+                </a:extLst>
+              </a:tr>
+            </a:tbl>
+          </a:graphicData>
+        </a:graphic>
+      </p:graphicFrame>
+      <p:pic>
+        <p:nvPicPr>
+          <p:cNvPr id="9" name="Picture 8"/>
+          <p:cNvPicPr>
+            <a:picLocks noChangeAspect="1"/>
+          </p:cNvPicPr>
+          <p:nvPr/>
+        </p:nvPicPr>
+        <p:blipFill>
+          <a:blip r:embed="rId3">
+            <a:extLst>
+              <a:ext uri="{28A0092B-C50C-407E-A947-70E740481C1C}">
+                <a14:useLocalDpi xmlns:a14="http://schemas.microsoft.com/office/drawing/2010/main" val="0"/>
+              </a:ext>
+            </a:extLst>
+          </a:blip>
+          <a:stretch>
+            <a:fillRect/>
+          </a:stretch>
+        </p:blipFill>
+        <p:spPr>
+          <a:xfrm>
+            <a:off x="998948" y="1142496"/>
+            <a:ext cx="3661223" cy="3661223"/>
+          </a:xfrm>
+          <a:prstGeom prst="rect">
+            <a:avLst/>
+          </a:prstGeom>
+        </p:spPr>
+      </p:pic>
+      <p:pic>
+        <p:nvPicPr>
+          <p:cNvPr id="10" name="Picture 9"/>
+          <p:cNvPicPr>
+            <a:picLocks noChangeAspect="1"/>
+          </p:cNvPicPr>
+          <p:nvPr/>
+        </p:nvPicPr>
+        <p:blipFill>
+          <a:blip r:embed="rId4">
+            <a:extLst>
+              <a:ext uri="{28A0092B-C50C-407E-A947-70E740481C1C}">
+                <a14:useLocalDpi xmlns:a14="http://schemas.microsoft.com/office/drawing/2010/main" val="0"/>
+              </a:ext>
+            </a:extLst>
+          </a:blip>
+          <a:stretch>
+            <a:fillRect/>
+          </a:stretch>
+        </p:blipFill>
+        <p:spPr>
+          <a:xfrm>
+            <a:off x="7882781" y="902970"/>
+            <a:ext cx="4051977" cy="4507670"/>
+          </a:xfrm>
+          <a:prstGeom prst="rect">
+            <a:avLst/>
+          </a:prstGeom>
+        </p:spPr>
+      </p:pic>
+    </p:spTree>
+    <p:extLst>
+      <p:ext uri="{BB962C8B-B14F-4D97-AF65-F5344CB8AC3E}">
+        <p14:creationId xmlns:p14="http://schemas.microsoft.com/office/powerpoint/2010/main" val="2605214412"/>
       </p:ext>
     </p:extLst>
   </p:cSld>
